--- a/clapeyron/Clapeyron_tutorial.pptx
+++ b/clapeyron/Clapeyron_tutorial.pptx
@@ -193,7 +193,7 @@
 <file path=ppt/revisionInfo.xml><?xml version="1.0" encoding="utf-8"?>
 <p1510:revInfo xmlns:a="http://schemas.openxmlformats.org/drawingml/2006/main" xmlns:r="http://schemas.openxmlformats.org/officeDocument/2006/relationships" xmlns:p1510="http://schemas.microsoft.com/office/powerpoint/2015/10/main">
   <p1510:revLst>
-    <p1510:client id="{8FC6D019-0F50-B543-B6A2-55732C2B0B7C}" v="334" dt="2025-08-20T08:38:53.258"/>
+    <p1510:client id="{3D32109A-6C5A-A947-8249-F7D37EAA376F}" v="55" dt="2025-08-22T16:47:47.907"/>
   </p1510:revLst>
 </p1510:revInfo>
 </file>
@@ -24528,8 +24528,8 @@
           </a:p>
         </p:txBody>
       </p:sp>
-      <mc:AlternateContent xmlns:mc="http://schemas.openxmlformats.org/markup-compatibility/2006" xmlns:a14="http://schemas.microsoft.com/office/drawing/2010/main">
-        <mc:Choice Requires="a14">
+      <mc:AlternateContent xmlns:mc="http://schemas.openxmlformats.org/markup-compatibility/2006">
+        <mc:Choice xmlns:a14="http://schemas.microsoft.com/office/drawing/2010/main" Requires="a14">
           <p:sp>
             <p:nvSpPr>
               <p:cNvPr id="3" name="Content Placeholder 2">
@@ -24554,7 +24554,7 @@
             </p:spPr>
             <p:txBody>
               <a:bodyPr>
-                <a:normAutofit/>
+                <a:normAutofit lnSpcReduction="10000"/>
               </a:bodyPr>
               <a:lstStyle/>
               <a:p>
@@ -24701,13 +24701,35 @@
                 </a:r>
               </a:p>
               <a:p>
+                <a:r>
+                  <a:rPr lang="en-US" dirty="0"/>
+                  <a:t>We also have NVT, </a:t>
+                </a:r>
+                <a:r>
+                  <a:rPr lang="en-US" dirty="0" err="1"/>
+                  <a:t>NpH</a:t>
+                </a:r>
+                <a:r>
+                  <a:rPr lang="en-US" dirty="0"/>
+                  <a:t> and </a:t>
+                </a:r>
+                <a:r>
+                  <a:rPr lang="en-US" dirty="0" err="1"/>
+                  <a:t>NpS</a:t>
+                </a:r>
+                <a:r>
+                  <a:rPr lang="en-US" dirty="0"/>
+                  <a:t> flashes </a:t>
+                </a:r>
+              </a:p>
+              <a:p>
                 <a:pPr lvl="1"/>
                 <a:endParaRPr lang="en-US" dirty="0"/>
               </a:p>
             </p:txBody>
           </p:sp>
         </mc:Choice>
-        <mc:Fallback xmlns="">
+        <mc:Fallback>
           <p:sp>
             <p:nvSpPr>
               <p:cNvPr id="3" name="Content Placeholder 2">
@@ -24732,7 +24754,7 @@
               <a:blipFill>
                 <a:blip r:embed="rId4"/>
                 <a:stretch>
-                  <a:fillRect l="-1934" t="-1463"/>
+                  <a:fillRect l="-1934" t="-2439"/>
                 </a:stretch>
               </a:blipFill>
             </p:spPr>
@@ -27167,6 +27189,67 @@
                       </p:childTnLst>
                     </p:cTn>
                   </p:par>
+                  <p:par>
+                    <p:cTn id="83" fill="hold">
+                      <p:stCondLst>
+                        <p:cond delay="indefinite"/>
+                      </p:stCondLst>
+                      <p:childTnLst>
+                        <p:par>
+                          <p:cTn id="84" fill="hold">
+                            <p:stCondLst>
+                              <p:cond delay="0"/>
+                            </p:stCondLst>
+                            <p:childTnLst>
+                              <p:par>
+                                <p:cTn id="85" presetID="10" presetClass="entr" presetSubtype="0" fill="hold" nodeType="clickEffect">
+                                  <p:stCondLst>
+                                    <p:cond delay="0"/>
+                                  </p:stCondLst>
+                                  <p:childTnLst>
+                                    <p:set>
+                                      <p:cBhvr>
+                                        <p:cTn id="86" dur="1" fill="hold">
+                                          <p:stCondLst>
+                                            <p:cond delay="0"/>
+                                          </p:stCondLst>
+                                        </p:cTn>
+                                        <p:tgtEl>
+                                          <p:spTgt spid="3">
+                                            <p:txEl>
+                                              <p:pRg st="8" end="8"/>
+                                            </p:txEl>
+                                          </p:spTgt>
+                                        </p:tgtEl>
+                                        <p:attrNameLst>
+                                          <p:attrName>style.visibility</p:attrName>
+                                        </p:attrNameLst>
+                                      </p:cBhvr>
+                                      <p:to>
+                                        <p:strVal val="visible"/>
+                                      </p:to>
+                                    </p:set>
+                                    <p:animEffect transition="in" filter="fade">
+                                      <p:cBhvr>
+                                        <p:cTn id="87" dur="500"/>
+                                        <p:tgtEl>
+                                          <p:spTgt spid="3">
+                                            <p:txEl>
+                                              <p:pRg st="8" end="8"/>
+                                            </p:txEl>
+                                          </p:spTgt>
+                                        </p:tgtEl>
+                                      </p:cBhvr>
+                                    </p:animEffect>
+                                  </p:childTnLst>
+                                </p:cTn>
+                              </p:par>
+                            </p:childTnLst>
+                          </p:cTn>
+                        </p:par>
+                      </p:childTnLst>
+                    </p:cTn>
+                  </p:par>
                 </p:childTnLst>
               </p:cTn>
               <p:prevCondLst>
